--- a/docs/origin/README.pptx
+++ b/docs/origin/README.pptx
@@ -17009,7 +17009,7 @@
           <a:p>
             <a:fld id="{F1959213-EE10-4BBC-B8A6-75AE30B273F0}" type="datetimeFigureOut">
               <a:rPr lang="zh-CN" altLang="en-US" smtClean="0"/>
-              <a:t>2020/9/7</a:t>
+              <a:t>2020/9/10</a:t>
             </a:fld>
             <a:endParaRPr lang="zh-CN" altLang="en-US"/>
           </a:p>
@@ -23677,7 +23677,7 @@
           <a:p>
             <a:fld id="{DC7A5810-B27B-46C7-8316-52AA671B497D}" type="datetimeFigureOut">
               <a:rPr lang="zh-CN" altLang="en-US" smtClean="0"/>
-              <a:t>2020/9/7</a:t>
+              <a:t>2020/9/10</a:t>
             </a:fld>
             <a:endParaRPr lang="zh-CN" altLang="en-US"/>
           </a:p>
@@ -23875,7 +23875,7 @@
           <a:p>
             <a:fld id="{DC7A5810-B27B-46C7-8316-52AA671B497D}" type="datetimeFigureOut">
               <a:rPr lang="zh-CN" altLang="en-US" smtClean="0"/>
-              <a:t>2020/9/7</a:t>
+              <a:t>2020/9/10</a:t>
             </a:fld>
             <a:endParaRPr lang="zh-CN" altLang="en-US"/>
           </a:p>
@@ -24083,7 +24083,7 @@
           <a:p>
             <a:fld id="{DC7A5810-B27B-46C7-8316-52AA671B497D}" type="datetimeFigureOut">
               <a:rPr lang="zh-CN" altLang="en-US" smtClean="0"/>
-              <a:t>2020/9/7</a:t>
+              <a:t>2020/9/10</a:t>
             </a:fld>
             <a:endParaRPr lang="zh-CN" altLang="en-US"/>
           </a:p>
@@ -24281,7 +24281,7 @@
           <a:p>
             <a:fld id="{DC7A5810-B27B-46C7-8316-52AA671B497D}" type="datetimeFigureOut">
               <a:rPr lang="zh-CN" altLang="en-US" smtClean="0"/>
-              <a:t>2020/9/7</a:t>
+              <a:t>2020/9/10</a:t>
             </a:fld>
             <a:endParaRPr lang="zh-CN" altLang="en-US"/>
           </a:p>
@@ -24556,7 +24556,7 @@
           <a:p>
             <a:fld id="{DC7A5810-B27B-46C7-8316-52AA671B497D}" type="datetimeFigureOut">
               <a:rPr lang="zh-CN" altLang="en-US" smtClean="0"/>
-              <a:t>2020/9/7</a:t>
+              <a:t>2020/9/10</a:t>
             </a:fld>
             <a:endParaRPr lang="zh-CN" altLang="en-US"/>
           </a:p>
@@ -24821,7 +24821,7 @@
           <a:p>
             <a:fld id="{DC7A5810-B27B-46C7-8316-52AA671B497D}" type="datetimeFigureOut">
               <a:rPr lang="zh-CN" altLang="en-US" smtClean="0"/>
-              <a:t>2020/9/7</a:t>
+              <a:t>2020/9/10</a:t>
             </a:fld>
             <a:endParaRPr lang="zh-CN" altLang="en-US"/>
           </a:p>
@@ -25233,7 +25233,7 @@
           <a:p>
             <a:fld id="{DC7A5810-B27B-46C7-8316-52AA671B497D}" type="datetimeFigureOut">
               <a:rPr lang="zh-CN" altLang="en-US" smtClean="0"/>
-              <a:t>2020/9/7</a:t>
+              <a:t>2020/9/10</a:t>
             </a:fld>
             <a:endParaRPr lang="zh-CN" altLang="en-US"/>
           </a:p>
@@ -25374,7 +25374,7 @@
           <a:p>
             <a:fld id="{DC7A5810-B27B-46C7-8316-52AA671B497D}" type="datetimeFigureOut">
               <a:rPr lang="zh-CN" altLang="en-US" smtClean="0"/>
-              <a:t>2020/9/7</a:t>
+              <a:t>2020/9/10</a:t>
             </a:fld>
             <a:endParaRPr lang="zh-CN" altLang="en-US"/>
           </a:p>
@@ -25487,7 +25487,7 @@
           <a:p>
             <a:fld id="{DC7A5810-B27B-46C7-8316-52AA671B497D}" type="datetimeFigureOut">
               <a:rPr lang="zh-CN" altLang="en-US" smtClean="0"/>
-              <a:t>2020/9/7</a:t>
+              <a:t>2020/9/10</a:t>
             </a:fld>
             <a:endParaRPr lang="zh-CN" altLang="en-US"/>
           </a:p>
@@ -25798,7 +25798,7 @@
           <a:p>
             <a:fld id="{DC7A5810-B27B-46C7-8316-52AA671B497D}" type="datetimeFigureOut">
               <a:rPr lang="zh-CN" altLang="en-US" smtClean="0"/>
-              <a:t>2020/9/7</a:t>
+              <a:t>2020/9/10</a:t>
             </a:fld>
             <a:endParaRPr lang="zh-CN" altLang="en-US"/>
           </a:p>
@@ -26086,7 +26086,7 @@
           <a:p>
             <a:fld id="{DC7A5810-B27B-46C7-8316-52AA671B497D}" type="datetimeFigureOut">
               <a:rPr lang="zh-CN" altLang="en-US" smtClean="0"/>
-              <a:t>2020/9/7</a:t>
+              <a:t>2020/9/10</a:t>
             </a:fld>
             <a:endParaRPr lang="zh-CN" altLang="en-US"/>
           </a:p>
@@ -26327,7 +26327,7 @@
           <a:p>
             <a:fld id="{DC7A5810-B27B-46C7-8316-52AA671B497D}" type="datetimeFigureOut">
               <a:rPr lang="zh-CN" altLang="en-US" smtClean="0"/>
-              <a:t>2020/9/7</a:t>
+              <a:t>2020/9/10</a:t>
             </a:fld>
             <a:endParaRPr lang="zh-CN" altLang="en-US"/>
           </a:p>
@@ -28304,10 +28304,10 @@
       </p:sp>
       <p:pic>
         <p:nvPicPr>
-          <p:cNvPr id="5" name="图片 4">
+          <p:cNvPr id="3" name="图片 2">
             <a:extLst>
               <a:ext uri="{FF2B5EF4-FFF2-40B4-BE49-F238E27FC236}">
-                <a16:creationId xmlns:a16="http://schemas.microsoft.com/office/drawing/2014/main" id="{C3472C97-55F2-4771-B108-DAECF004E741}"/>
+                <a16:creationId xmlns:a16="http://schemas.microsoft.com/office/drawing/2014/main" id="{80DF1CE4-E2FF-44CE-B011-B93D9E783693}"/>
               </a:ext>
             </a:extLst>
           </p:cNvPr>
@@ -28330,8 +28330,8 @@
         </p:blipFill>
         <p:spPr>
           <a:xfrm>
-            <a:off x="1606694" y="2375620"/>
-            <a:ext cx="7877175" cy="2543175"/>
+            <a:off x="2109787" y="2152650"/>
+            <a:ext cx="7972425" cy="2552700"/>
           </a:xfrm>
           <a:prstGeom prst="rect">
             <a:avLst/>
@@ -28402,7 +28402,7 @@
             </a:r>
             <a:r>
               <a:rPr lang="en-US" altLang="zh-CN" dirty="0"/>
-              <a:t> clean release site</a:t>
+              <a:t> clean audit release site</a:t>
             </a:r>
             <a:endParaRPr lang="zh-CN" altLang="en-US" dirty="0"/>
           </a:p>
@@ -28991,111 +28991,42 @@
           </a:p>
         </p:txBody>
       </p:sp>
-      <p:sp>
-        <p:nvSpPr>
-          <p:cNvPr id="2" name="文本框 1">
+      <p:pic>
+        <p:nvPicPr>
+          <p:cNvPr id="5" name="图片 4">
             <a:extLst>
               <a:ext uri="{FF2B5EF4-FFF2-40B4-BE49-F238E27FC236}">
-                <a16:creationId xmlns:a16="http://schemas.microsoft.com/office/drawing/2014/main" id="{97434DF1-7306-439B-AFD5-50F6A89FD459}"/>
+                <a16:creationId xmlns:a16="http://schemas.microsoft.com/office/drawing/2014/main" id="{1A444934-269B-4131-A12F-D3B08E38F052}"/>
               </a:ext>
             </a:extLst>
           </p:cNvPr>
-          <p:cNvSpPr txBox="1"/>
+          <p:cNvPicPr>
+            <a:picLocks noChangeAspect="1"/>
+          </p:cNvPicPr>
           <p:nvPr/>
-        </p:nvSpPr>
+        </p:nvPicPr>
+        <p:blipFill>
+          <a:blip r:embed="rId3">
+            <a:extLst>
+              <a:ext uri="{28A0092B-C50C-407E-A947-70E740481C1C}">
+                <a14:useLocalDpi xmlns:a14="http://schemas.microsoft.com/office/drawing/2010/main" val="0"/>
+              </a:ext>
+            </a:extLst>
+          </a:blip>
+          <a:stretch>
+            <a:fillRect/>
+          </a:stretch>
+        </p:blipFill>
         <p:spPr>
           <a:xfrm>
-            <a:off x="1257299" y="2078181"/>
-            <a:ext cx="6161809" cy="1477328"/>
+            <a:off x="1143000" y="2128837"/>
+            <a:ext cx="9906000" cy="2600325"/>
           </a:xfrm>
           <a:prstGeom prst="rect">
             <a:avLst/>
           </a:prstGeom>
-          <a:noFill/>
         </p:spPr>
-        <p:txBody>
-          <a:bodyPr wrap="square" rtlCol="0">
-            <a:spAutoFit/>
-          </a:bodyPr>
-          <a:lstStyle/>
-          <a:p>
-            <a:endParaRPr lang="en-US" altLang="zh-CN"/>
-          </a:p>
-          <a:p>
-            <a:r>
-              <a:rPr lang="en-US" altLang="zh-CN"/>
-              <a:t>- lint</a:t>
-            </a:r>
-            <a:r>
-              <a:rPr lang="zh-CN" altLang="en-US"/>
-              <a:t>：代码审查，默认会绑定到 </a:t>
-            </a:r>
-            <a:r>
-              <a:rPr lang="en-US" altLang="zh-CN"/>
-              <a:t>validate </a:t>
-            </a:r>
-            <a:r>
-              <a:rPr lang="zh-CN" altLang="en-US"/>
-              <a:t>阶段</a:t>
-            </a:r>
-          </a:p>
-          <a:p>
-            <a:r>
-              <a:rPr lang="en-US" altLang="zh-CN"/>
-              <a:t>- test:unit</a:t>
-            </a:r>
-            <a:r>
-              <a:rPr lang="zh-CN" altLang="en-US"/>
-              <a:t>：单元测试，默认会绑定到 </a:t>
-            </a:r>
-            <a:r>
-              <a:rPr lang="en-US" altLang="zh-CN"/>
-              <a:t>validate </a:t>
-            </a:r>
-            <a:r>
-              <a:rPr lang="zh-CN" altLang="en-US"/>
-              <a:t>阶段</a:t>
-            </a:r>
-          </a:p>
-          <a:p>
-            <a:r>
-              <a:rPr lang="en-US" altLang="zh-CN"/>
-              <a:t>- test:e2e</a:t>
-            </a:r>
-            <a:r>
-              <a:rPr lang="zh-CN" altLang="en-US"/>
-              <a:t>：端到端测试，默认会绑定到 </a:t>
-            </a:r>
-            <a:r>
-              <a:rPr lang="en-US" altLang="zh-CN"/>
-              <a:t>validate </a:t>
-            </a:r>
-            <a:r>
-              <a:rPr lang="zh-CN" altLang="en-US"/>
-              <a:t>阶段</a:t>
-            </a:r>
-          </a:p>
-          <a:p>
-            <a:r>
-              <a:rPr lang="en-US" altLang="zh-CN"/>
-              <a:t>- doctor</a:t>
-            </a:r>
-            <a:r>
-              <a:rPr lang="zh-CN" altLang="en-US"/>
-              <a:t>：校验环境，默认会绑定大 </a:t>
-            </a:r>
-            <a:r>
-              <a:rPr lang="en-US" altLang="zh-CN"/>
-              <a:t>validate </a:t>
-            </a:r>
-            <a:r>
-              <a:rPr lang="zh-CN" altLang="en-US"/>
-              <a:t>阶段</a:t>
-            </a:r>
-            <a:endParaRPr lang="zh-CN" altLang="en-US" dirty="0"/>
-          </a:p>
-        </p:txBody>
-      </p:sp>
+      </p:pic>
     </p:spTree>
     <p:extLst>
       <p:ext uri="{BB962C8B-B14F-4D97-AF65-F5344CB8AC3E}">
@@ -29163,10 +29094,10 @@
       </p:sp>
       <p:pic>
         <p:nvPicPr>
-          <p:cNvPr id="6" name="图片 5">
+          <p:cNvPr id="3" name="图片 2">
             <a:extLst>
               <a:ext uri="{FF2B5EF4-FFF2-40B4-BE49-F238E27FC236}">
-                <a16:creationId xmlns:a16="http://schemas.microsoft.com/office/drawing/2014/main" id="{103B2334-91F4-4588-A6DC-02DCB477AA11}"/>
+                <a16:creationId xmlns:a16="http://schemas.microsoft.com/office/drawing/2014/main" id="{2760D4F4-BA32-476F-964F-B98E9B82C14B}"/>
               </a:ext>
             </a:extLst>
           </p:cNvPr>
@@ -29176,15 +29107,21 @@
           <p:nvPr/>
         </p:nvPicPr>
         <p:blipFill>
-          <a:blip r:embed="rId3"/>
+          <a:blip r:embed="rId3">
+            <a:extLst>
+              <a:ext uri="{28A0092B-C50C-407E-A947-70E740481C1C}">
+                <a14:useLocalDpi xmlns:a14="http://schemas.microsoft.com/office/drawing/2010/main" val="0"/>
+              </a:ext>
+            </a:extLst>
+          </a:blip>
           <a:stretch>
             <a:fillRect/>
           </a:stretch>
         </p:blipFill>
         <p:spPr>
           <a:xfrm>
-            <a:off x="3886320" y="2617946"/>
-            <a:ext cx="3742026" cy="2398009"/>
+            <a:off x="3667125" y="1000125"/>
+            <a:ext cx="4857750" cy="4857750"/>
           </a:xfrm>
           <a:prstGeom prst="rect">
             <a:avLst/>
